--- a/Welcome slides/GAB2017-Welcome Slides.pptx
+++ b/Welcome slides/GAB2017-Welcome Slides.pptx
@@ -1632,7 +1632,7 @@
         <p:spPr>
           <a:xfrm>
             <a:off x="3478117" y="2401678"/>
-            <a:ext cx="5235766" cy="2111347"/>
+            <a:ext cx="5235766" cy="3373231"/>
           </a:xfrm>
           <a:prstGeom prst="rect">
             <a:avLst/>
@@ -1732,6 +1732,86 @@
                 <a:hlinkClick r:id="rId3"/>
               </a:rPr>
               <a:t>Bootcamp details</a:t>
+            </a:r>
+            <a:endParaRPr lang="en-NZ" sz="4000" dirty="0">
+              <a:gradFill>
+                <a:gsLst>
+                  <a:gs pos="2917">
+                    <a:schemeClr val="tx1"/>
+                  </a:gs>
+                  <a:gs pos="30000">
+                    <a:schemeClr val="tx1"/>
+                  </a:gs>
+                </a:gsLst>
+                <a:lin ang="5400000" scaled="0"/>
+              </a:gradFill>
+            </a:endParaRPr>
+          </a:p>
+          <a:p>
+            <a:pPr>
+              <a:lnSpc>
+                <a:spcPct val="90000"/>
+              </a:lnSpc>
+              <a:spcAft>
+                <a:spcPts val="600"/>
+              </a:spcAft>
+            </a:pPr>
+            <a:endParaRPr lang="en-NZ" sz="4000" dirty="0">
+              <a:gradFill>
+                <a:gsLst>
+                  <a:gs pos="2917">
+                    <a:schemeClr val="tx1"/>
+                  </a:gs>
+                  <a:gs pos="30000">
+                    <a:schemeClr val="tx1"/>
+                  </a:gs>
+                </a:gsLst>
+                <a:lin ang="5400000" scaled="0"/>
+              </a:gradFill>
+            </a:endParaRPr>
+          </a:p>
+          <a:p>
+            <a:pPr>
+              <a:lnSpc>
+                <a:spcPct val="90000"/>
+              </a:lnSpc>
+              <a:spcAft>
+                <a:spcPts val="600"/>
+              </a:spcAft>
+            </a:pPr>
+            <a:r>
+              <a:rPr lang="en-NZ" sz="4000" dirty="0" err="1">
+                <a:gradFill>
+                  <a:gsLst>
+                    <a:gs pos="2917">
+                      <a:schemeClr val="tx1"/>
+                    </a:gs>
+                    <a:gs pos="30000">
+                      <a:schemeClr val="tx1"/>
+                    </a:gs>
+                  </a:gsLst>
+                  <a:lin ang="5400000" scaled="0"/>
+                </a:gradFill>
+                <a:hlinkClick r:id="rId4"/>
+              </a:rPr>
+              <a:t>Github</a:t>
+            </a:r>
+            <a:r>
+              <a:rPr lang="en-NZ" sz="4000" dirty="0">
+                <a:gradFill>
+                  <a:gsLst>
+                    <a:gs pos="2917">
+                      <a:schemeClr val="tx1"/>
+                    </a:gs>
+                    <a:gs pos="30000">
+                      <a:schemeClr val="tx1"/>
+                    </a:gs>
+                  </a:gsLst>
+                  <a:lin ang="5400000" scaled="0"/>
+                </a:gradFill>
+                <a:hlinkClick r:id="rId4"/>
+              </a:rPr>
+              <a:t> repository</a:t>
             </a:r>
             <a:endParaRPr lang="en-NZ" sz="4000" dirty="0">
               <a:gradFill>

--- a/Welcome slides/GAB2017-Welcome Slides.pptx
+++ b/Welcome slides/GAB2017-Welcome Slides.pptx
@@ -1729,7 +1729,7 @@
                   </a:gsLst>
                   <a:lin ang="5400000" scaled="0"/>
                 </a:gradFill>
-                <a:hlinkClick r:id="rId3"/>
+                <a:hlinkClick r:id="rId2"/>
               </a:rPr>
               <a:t>Bootcamp details</a:t>
             </a:r>
@@ -1792,7 +1792,7 @@
                   </a:gsLst>
                   <a:lin ang="5400000" scaled="0"/>
                 </a:gradFill>
-                <a:hlinkClick r:id="rId4"/>
+                <a:hlinkClick r:id="rId3"/>
               </a:rPr>
               <a:t>Github</a:t>
             </a:r>
@@ -1809,7 +1809,7 @@
                   </a:gsLst>
                   <a:lin ang="5400000" scaled="0"/>
                 </a:gradFill>
-                <a:hlinkClick r:id="rId4"/>
+                <a:hlinkClick r:id="rId3"/>
               </a:rPr>
               <a:t> repository</a:t>
             </a:r>

--- a/Welcome slides/GAB2017-Welcome Slides.pptx
+++ b/Welcome slides/GAB2017-Welcome Slides.pptx
@@ -1729,7 +1729,7 @@
                   </a:gsLst>
                   <a:lin ang="5400000" scaled="0"/>
                 </a:gradFill>
-                <a:hlinkClick r:id="rId2"/>
+                <a:hlinkClick r:id="rId3"/>
               </a:rPr>
               <a:t>Bootcamp details</a:t>
             </a:r>
@@ -1792,7 +1792,7 @@
                   </a:gsLst>
                   <a:lin ang="5400000" scaled="0"/>
                 </a:gradFill>
-                <a:hlinkClick r:id="rId3"/>
+                <a:hlinkClick r:id="rId4"/>
               </a:rPr>
               <a:t>Github</a:t>
             </a:r>
@@ -1809,7 +1809,7 @@
                   </a:gsLst>
                   <a:lin ang="5400000" scaled="0"/>
                 </a:gradFill>
-                <a:hlinkClick r:id="rId3"/>
+                <a:hlinkClick r:id="rId4"/>
               </a:rPr>
               <a:t> repository</a:t>
             </a:r>

--- a/Welcome slides/GAB2017-Welcome Slides.pptx
+++ b/Welcome slides/GAB2017-Welcome Slides.pptx
@@ -1670,19 +1670,22 @@
               </a:rPr>
               <a:t>Bootcamp information</a:t>
             </a:r>
-            <a:endParaRPr lang="en-NZ" sz="4000" dirty="0">
-              <a:gradFill>
-                <a:gsLst>
-                  <a:gs pos="2917">
-                    <a:schemeClr val="tx1"/>
-                  </a:gs>
-                  <a:gs pos="30000">
-                    <a:schemeClr val="tx1"/>
-                  </a:gs>
-                </a:gsLst>
-                <a:lin ang="5400000" scaled="0"/>
-              </a:gradFill>
-            </a:endParaRPr>
+            <a:r>
+              <a:rPr lang="en-NZ" sz="4000" dirty="0">
+                <a:gradFill>
+                  <a:gsLst>
+                    <a:gs pos="2917">
+                      <a:schemeClr val="tx1"/>
+                    </a:gs>
+                    <a:gs pos="30000">
+                      <a:schemeClr val="tx1"/>
+                    </a:gs>
+                  </a:gsLst>
+                  <a:lin ang="5400000" scaled="0"/>
+                </a:gradFill>
+              </a:rPr>
+              <a:t> </a:t>
+            </a:r>
           </a:p>
           <a:p>
             <a:pPr>

--- a/Welcome slides/GAB2017-Welcome Slides.pptx
+++ b/Welcome slides/GAB2017-Welcome Slides.pptx
@@ -273,7 +273,7 @@
           <a:p>
             <a:fld id="{236F40AF-06C2-4FA3-8F2A-AA5EC8CDCFFC}" type="datetimeFigureOut">
               <a:rPr lang="sv-SE" smtClean="0"/>
-              <a:t>2017-04-20</a:t>
+              <a:t>2017-04-22</a:t>
             </a:fld>
             <a:endParaRPr lang="sv-SE"/>
           </a:p>
@@ -1282,7 +1282,7 @@
         </p:nvSpPr>
         <p:spPr>
           <a:xfrm>
-            <a:off x="0" y="5881689"/>
+            <a:off x="0" y="5906741"/>
             <a:ext cx="12192000" cy="646331"/>
           </a:xfrm>
           <a:prstGeom prst="rect">
@@ -2882,7 +2882,7 @@
 </file>
 
 <file path=ppt/slides/slide3.xml><?xml version="1.0" encoding="utf-8"?>
-<p:sld xmlns:a="http://schemas.openxmlformats.org/drawingml/2006/main" xmlns:r="http://schemas.openxmlformats.org/officeDocument/2006/relationships" xmlns:p="http://schemas.openxmlformats.org/presentationml/2006/main" show="0">
+<p:sld xmlns:a="http://schemas.openxmlformats.org/drawingml/2006/main" xmlns:r="http://schemas.openxmlformats.org/officeDocument/2006/relationships" xmlns:p="http://schemas.openxmlformats.org/presentationml/2006/main">
   <p:cSld>
     <p:spTree>
       <p:nvGrpSpPr>
@@ -3139,7 +3139,7 @@
                 <a:latin typeface="Segoe UI Light" panose="020B0502040204020203" pitchFamily="34" charset="0"/>
                 <a:cs typeface="Segoe UI Light" panose="020B0502040204020203" pitchFamily="34" charset="0"/>
               </a:rPr>
-              <a:t>Sponsors &amp; Prices</a:t>
+              <a:t>Sponsors &amp; Prizes</a:t>
             </a:r>
           </a:p>
         </p:txBody>
